--- a/output.pptx
+++ b/output.pptx
@@ -15,16 +15,6 @@
     <p:sldId id="263" r:id="rId13"/>
     <p:sldId id="264" r:id="rId14"/>
     <p:sldId id="265" r:id="rId15"/>
-    <p:sldId id="266" r:id="rId16"/>
-    <p:sldId id="267" r:id="rId17"/>
-    <p:sldId id="268" r:id="rId18"/>
-    <p:sldId id="269" r:id="rId19"/>
-    <p:sldId id="270" r:id="rId20"/>
-    <p:sldId id="271" r:id="rId21"/>
-    <p:sldId id="272" r:id="rId22"/>
-    <p:sldId id="273" r:id="rId23"/>
-    <p:sldId id="274" r:id="rId24"/>
-    <p:sldId id="275" r:id="rId25"/>
   </p:sldIdLst>
   <p:sldSz cx="12192000" cy="6858000"/>
   <p:notesSz cx="6858000" cy="9144000"/>
@@ -5795,7 +5785,7 @@
           <a:lstStyle/>
           <a:p>
             <a:r>
-              <a:t>INTRODUCTION TO NIGERIAN FARMING</a:t>
+              <a:t>INTRODUCTION TO NIGERIA'S MARKET TRENDS</a:t>
             </a:r>
           </a:p>
         </p:txBody>
@@ -5817,17 +5807,17 @@
           <a:p/>
           <a:p>
             <a:r>
-              <a:t>Farming in Nigeria is a pivotal sector that significantly contributes to the nation's economy. It employs a large portion of the population, providing livelihoods for millions of Nigerians. The agricultural sector is diverse, encompassing various crops and livestock production.</a:t>
-            </a:r>
-          </a:p>
-          <a:p>
-            <a:r>
-              <a:t>Nigeria's agricultural landscape is characterized by smallholder farmers who operate on small plots of land. These farmers are the backbone of the sector, producing the majority of the country's food supply. Despite their critical role, they often face challenges such as limited access to modern farming techniques and financial resources.</a:t>
-            </a:r>
-          </a:p>
-          <a:p>
-            <a:r>
-              <a:t>The Nigerian government has recognized the importance of agriculture and has implemented various policies to boost productivity. These initiatives aim to transform agriculture into a more sustainable and profitable venture, ultimately enhancing food security and reducing poverty.</a:t>
+              <a:t>Nigeria, Africa's largest economy, is experiencing dynamic market trends that are reshaping its economic landscape. With a population exceeding 200 million, the country presents vast opportunities for growth and investment.</a:t>
+            </a:r>
+          </a:p>
+          <a:p>
+            <a:r>
+              <a:t>The Nigerian market is characterized by a youthful demographic, rapid urbanization, and a growing middle class. These factors are driving significant changes across various sectors, including technology, agriculture, and real estate.</a:t>
+            </a:r>
+          </a:p>
+          <a:p>
+            <a:r>
+              <a:t>Understanding these trends is crucial for businesses and investors looking to capitalize on Nigeria's potential. This presentation will delve into key market trends and their implications for future growth.</a:t>
             </a:r>
           </a:p>
         </p:txBody>
@@ -5866,7 +5856,7 @@
           <a:lstStyle/>
           <a:p>
             <a:r>
-              <a:t>YOUTH INVOLVEMENT IN AGRICULTURE</a:t>
+              <a:t>CONCLUSION AND STRATEGIC TAKEAWAYS</a:t>
             </a:r>
           </a:p>
         </p:txBody>
@@ -5888,656 +5878,17 @@
           <a:p/>
           <a:p>
             <a:r>
-              <a:t>Engaging youth in agriculture is crucial for the future of the sector in Nigeria. With a large and growing youth population, there is significant potential to harness their energy and innovation to drive agricultural development.</a:t>
-            </a:r>
-          </a:p>
-          <a:p>
-            <a:r>
-              <a:t>However, many young people view agriculture as an unattractive career option due to perceptions of low profitability and hard labor. Changing these perceptions is essential to encourage more youth to participate in farming activities.</a:t>
-            </a:r>
-          </a:p>
-          <a:p>
-            <a:r>
-              <a:t>Programs aimed at youth empowerment in agriculture focus on providing training, access to technology, and financial support. By creating opportunities for young people, these initiatives seek to revitalize the sector and ensure its sustainability.</a:t>
-            </a:r>
-          </a:p>
-        </p:txBody>
-      </p:sp>
-    </p:spTree>
-  </p:cSld>
-  <p:clrMapOvr>
-    <a:masterClrMapping/>
-  </p:clrMapOvr>
-</p:sld>
-</file>
-
-<file path=ppt/slides/slide11.xml><?xml version="1.0" encoding="utf-8"?>
-<p:sld xmlns:a="http://schemas.openxmlformats.org/drawingml/2006/main" xmlns:p="http://schemas.openxmlformats.org/presentationml/2006/main" xmlns:r="http://schemas.openxmlformats.org/officeDocument/2006/relationships">
-  <p:cSld>
-    <p:spTree>
-      <p:nvGrpSpPr>
-        <p:cNvPr id="1" name=""/>
-        <p:cNvGrpSpPr/>
-        <p:nvPr/>
-      </p:nvGrpSpPr>
-      <p:grpSpPr/>
-      <p:sp>
-        <p:nvSpPr>
-          <p:cNvPr id="2" name="Title 1"/>
-          <p:cNvSpPr>
-            <a:spLocks noGrp="1"/>
-          </p:cNvSpPr>
-          <p:nvPr>
-            <p:ph type="title"/>
-          </p:nvPr>
-        </p:nvSpPr>
-        <p:spPr/>
-        <p:txBody>
-          <a:bodyPr/>
-          <a:lstStyle/>
-          <a:p>
-            <a:r>
-              <a:t>AGRICULTURAL EDUCATION AND TRAINING</a:t>
-            </a:r>
-          </a:p>
-        </p:txBody>
-      </p:sp>
-      <p:sp>
-        <p:nvSpPr>
-          <p:cNvPr id="3" name="Content Placeholder 2"/>
-          <p:cNvSpPr>
-            <a:spLocks noGrp="1"/>
-          </p:cNvSpPr>
-          <p:nvPr>
-            <p:ph idx="1"/>
-          </p:nvPr>
-        </p:nvSpPr>
-        <p:spPr/>
-        <p:txBody>
-          <a:bodyPr/>
-          <a:lstStyle/>
-          <a:p/>
-          <a:p>
-            <a:r>
-              <a:t>Education and training are critical components of agricultural development in Nigeria. Providing farmers with the knowledge and skills needed to adopt modern practices can significantly enhance productivity and sustainability.</a:t>
-            </a:r>
-          </a:p>
-          <a:p>
-            <a:r>
-              <a:t>Agricultural education institutions play a vital role in training the next generation of farmers and agribusiness professionals. These institutions offer programs that cover a wide range of topics, from crop production to agribusiness management.</a:t>
-            </a:r>
-          </a:p>
-          <a:p>
-            <a:r>
-              <a:t>Extension services are also essential for disseminating information and providing support to farmers. By connecting farmers with experts and resources, extension services help bridge the gap between research and practical application.</a:t>
-            </a:r>
-          </a:p>
-        </p:txBody>
-      </p:sp>
-    </p:spTree>
-  </p:cSld>
-  <p:clrMapOvr>
-    <a:masterClrMapping/>
-  </p:clrMapOvr>
-</p:sld>
-</file>
-
-<file path=ppt/slides/slide12.xml><?xml version="1.0" encoding="utf-8"?>
-<p:sld xmlns:a="http://schemas.openxmlformats.org/drawingml/2006/main" xmlns:p="http://schemas.openxmlformats.org/presentationml/2006/main" xmlns:r="http://schemas.openxmlformats.org/officeDocument/2006/relationships">
-  <p:cSld>
-    <p:spTree>
-      <p:nvGrpSpPr>
-        <p:cNvPr id="1" name=""/>
-        <p:cNvGrpSpPr/>
-        <p:nvPr/>
-      </p:nvGrpSpPr>
-      <p:grpSpPr/>
-      <p:sp>
-        <p:nvSpPr>
-          <p:cNvPr id="2" name="Title 1"/>
-          <p:cNvSpPr>
-            <a:spLocks noGrp="1"/>
-          </p:cNvSpPr>
-          <p:nvPr>
-            <p:ph type="title"/>
-          </p:nvPr>
-        </p:nvSpPr>
-        <p:spPr/>
-        <p:txBody>
-          <a:bodyPr/>
-          <a:lstStyle/>
-          <a:p>
-            <a:r>
-              <a:t>AGRICULTURAL FINANCING IN NIGERIA</a:t>
-            </a:r>
-          </a:p>
-        </p:txBody>
-      </p:sp>
-      <p:sp>
-        <p:nvSpPr>
-          <p:cNvPr id="3" name="Content Placeholder 2"/>
-          <p:cNvSpPr>
-            <a:spLocks noGrp="1"/>
-          </p:cNvSpPr>
-          <p:nvPr>
-            <p:ph idx="1"/>
-          </p:nvPr>
-        </p:nvSpPr>
-        <p:spPr/>
-        <p:txBody>
-          <a:bodyPr/>
-          <a:lstStyle/>
-          <a:p/>
-          <a:p>
-            <a:r>
-              <a:t>Access to financing is a critical issue for Nigerian farmers, as it affects their ability to invest in inputs and technology. Many farmers face challenges in obtaining credit due to stringent lending requirements and high interest rates.</a:t>
-            </a:r>
-          </a:p>
-          <a:p>
-            <a:r>
-              <a:t>The Nigerian government and financial institutions have introduced various schemes to improve access to agricultural financing. These initiatives aim to provide affordable credit to farmers, enabling them to enhance productivity and profitability.</a:t>
-            </a:r>
-          </a:p>
-          <a:p>
-            <a:r>
-              <a:t>Microfinance institutions and cooperatives also play a significant role in providing financial services to smallholder farmers. By offering tailored products and services, these organizations help address the unique needs of the agricultural sector.</a:t>
-            </a:r>
-          </a:p>
-        </p:txBody>
-      </p:sp>
-    </p:spTree>
-  </p:cSld>
-  <p:clrMapOvr>
-    <a:masterClrMapping/>
-  </p:clrMapOvr>
-</p:sld>
-</file>
-
-<file path=ppt/slides/slide13.xml><?xml version="1.0" encoding="utf-8"?>
-<p:sld xmlns:a="http://schemas.openxmlformats.org/drawingml/2006/main" xmlns:p="http://schemas.openxmlformats.org/presentationml/2006/main" xmlns:r="http://schemas.openxmlformats.org/officeDocument/2006/relationships">
-  <p:cSld>
-    <p:spTree>
-      <p:nvGrpSpPr>
-        <p:cNvPr id="1" name=""/>
-        <p:cNvGrpSpPr/>
-        <p:nvPr/>
-      </p:nvGrpSpPr>
-      <p:grpSpPr/>
-      <p:sp>
-        <p:nvSpPr>
-          <p:cNvPr id="2" name="Title 1"/>
-          <p:cNvSpPr>
-            <a:spLocks noGrp="1"/>
-          </p:cNvSpPr>
-          <p:nvPr>
-            <p:ph type="title"/>
-          </p:nvPr>
-        </p:nvSpPr>
-        <p:spPr/>
-        <p:txBody>
-          <a:bodyPr/>
-          <a:lstStyle/>
-          <a:p>
-            <a:r>
-              <a:t>AGRICULTURAL EXPORTS AND TRADE</a:t>
-            </a:r>
-          </a:p>
-        </p:txBody>
-      </p:sp>
-      <p:sp>
-        <p:nvSpPr>
-          <p:cNvPr id="3" name="Content Placeholder 2"/>
-          <p:cNvSpPr>
-            <a:spLocks noGrp="1"/>
-          </p:cNvSpPr>
-          <p:nvPr>
-            <p:ph idx="1"/>
-          </p:nvPr>
-        </p:nvSpPr>
-        <p:spPr/>
-        <p:txBody>
-          <a:bodyPr/>
-          <a:lstStyle/>
-          <a:p/>
-          <a:p>
-            <a:r>
-              <a:t>Agricultural exports are a vital component of Nigeria's economy, contributing significantly to foreign exchange earnings. The country exports a variety of agricultural products, including cocoa, palm oil, and rubber, to international markets.</a:t>
-            </a:r>
-          </a:p>
-          <a:p>
-            <a:r>
-              <a:t>The government has implemented policies to boost agricultural exports, focusing on improving quality standards and expanding market access. These efforts aim to enhance the competitiveness of Nigerian agricultural products in the global market.</a:t>
-            </a:r>
-          </a:p>
-          <a:p>
-            <a:r>
-              <a:t>Trade partnerships and agreements also play a crucial role in promoting agricultural exports. By engaging with regional and international trade partners, Nigeria seeks to increase its share of the global agricultural market and drive economic growth.</a:t>
-            </a:r>
-          </a:p>
-        </p:txBody>
-      </p:sp>
-    </p:spTree>
-  </p:cSld>
-  <p:clrMapOvr>
-    <a:masterClrMapping/>
-  </p:clrMapOvr>
-</p:sld>
-</file>
-
-<file path=ppt/slides/slide14.xml><?xml version="1.0" encoding="utf-8"?>
-<p:sld xmlns:a="http://schemas.openxmlformats.org/drawingml/2006/main" xmlns:p="http://schemas.openxmlformats.org/presentationml/2006/main" xmlns:r="http://schemas.openxmlformats.org/officeDocument/2006/relationships">
-  <p:cSld>
-    <p:spTree>
-      <p:nvGrpSpPr>
-        <p:cNvPr id="1" name=""/>
-        <p:cNvGrpSpPr/>
-        <p:nvPr/>
-      </p:nvGrpSpPr>
-      <p:grpSpPr/>
-      <p:sp>
-        <p:nvSpPr>
-          <p:cNvPr id="2" name="Title 1"/>
-          <p:cNvSpPr>
-            <a:spLocks noGrp="1"/>
-          </p:cNvSpPr>
-          <p:nvPr>
-            <p:ph type="title"/>
-          </p:nvPr>
-        </p:nvSpPr>
-        <p:spPr/>
-        <p:txBody>
-          <a:bodyPr/>
-          <a:lstStyle/>
-          <a:p>
-            <a:r>
-              <a:t>AGRICULTURAL INFRASTRUCTURE DEVELOPMENT</a:t>
-            </a:r>
-          </a:p>
-        </p:txBody>
-      </p:sp>
-      <p:sp>
-        <p:nvSpPr>
-          <p:cNvPr id="3" name="Content Placeholder 2"/>
-          <p:cNvSpPr>
-            <a:spLocks noGrp="1"/>
-          </p:cNvSpPr>
-          <p:nvPr>
-            <p:ph idx="1"/>
-          </p:nvPr>
-        </p:nvSpPr>
-        <p:spPr/>
-        <p:txBody>
-          <a:bodyPr/>
-          <a:lstStyle/>
-          <a:p/>
-          <a:p>
-            <a:r>
-              <a:t>Infrastructure development is essential for the growth and sustainability of the agricultural sector in Nigeria. Adequate infrastructure, such as roads, storage facilities, and irrigation systems, is crucial for enhancing productivity and reducing post-harvest losses.</a:t>
-            </a:r>
-          </a:p>
-          <a:p>
-            <a:r>
-              <a:t>The Nigerian government has prioritized infrastructure development as part of its agricultural policies. Investments in rural roads and transportation networks aim to improve market access for farmers, facilitating the movement of goods and services.</a:t>
-            </a:r>
-          </a:p>
-          <a:p>
-            <a:r>
-              <a:t>Irrigation infrastructure is particularly important in regions prone to drought. By expanding irrigation systems, the government seeks to increase agricultural output and ensure food security, particularly in arid and semi-arid areas.</a:t>
-            </a:r>
-          </a:p>
-        </p:txBody>
-      </p:sp>
-    </p:spTree>
-  </p:cSld>
-  <p:clrMapOvr>
-    <a:masterClrMapping/>
-  </p:clrMapOvr>
-</p:sld>
-</file>
-
-<file path=ppt/slides/slide15.xml><?xml version="1.0" encoding="utf-8"?>
-<p:sld xmlns:a="http://schemas.openxmlformats.org/drawingml/2006/main" xmlns:p="http://schemas.openxmlformats.org/presentationml/2006/main" xmlns:r="http://schemas.openxmlformats.org/officeDocument/2006/relationships">
-  <p:cSld>
-    <p:spTree>
-      <p:nvGrpSpPr>
-        <p:cNvPr id="1" name=""/>
-        <p:cNvGrpSpPr/>
-        <p:nvPr/>
-      </p:nvGrpSpPr>
-      <p:grpSpPr/>
-      <p:sp>
-        <p:nvSpPr>
-          <p:cNvPr id="2" name="Title 1"/>
-          <p:cNvSpPr>
-            <a:spLocks noGrp="1"/>
-          </p:cNvSpPr>
-          <p:nvPr>
-            <p:ph type="title"/>
-          </p:nvPr>
-        </p:nvSpPr>
-        <p:spPr/>
-        <p:txBody>
-          <a:bodyPr/>
-          <a:lstStyle/>
-          <a:p>
-            <a:r>
-              <a:t>AGRICULTURAL RESEARCH AND INNOVATION</a:t>
-            </a:r>
-          </a:p>
-        </p:txBody>
-      </p:sp>
-      <p:sp>
-        <p:nvSpPr>
-          <p:cNvPr id="3" name="Content Placeholder 2"/>
-          <p:cNvSpPr>
-            <a:spLocks noGrp="1"/>
-          </p:cNvSpPr>
-          <p:nvPr>
-            <p:ph idx="1"/>
-          </p:nvPr>
-        </p:nvSpPr>
-        <p:spPr/>
-        <p:txBody>
-          <a:bodyPr/>
-          <a:lstStyle/>
-          <a:p/>
-          <a:p>
-            <a:r>
-              <a:t>Research and innovation are key drivers of agricultural development in Nigeria. By investing in research, the country can develop new technologies and practices that enhance productivity and sustainability.</a:t>
-            </a:r>
-          </a:p>
-          <a:p>
-            <a:r>
-              <a:t>Agricultural research institutions play a crucial role in conducting studies and experiments to improve crop and livestock production. These institutions collaborate with universities, government agencies, and international organizations to advance agricultural knowledge.</a:t>
-            </a:r>
-          </a:p>
-          <a:p>
-            <a:r>
-              <a:t>Innovation in agriculture includes the development of improved seed varieties, pest control methods, and soil management techniques. By adopting these innovations, farmers can increase yields and reduce environmental impacts, contributing to a more sustainable agricultural sector.</a:t>
-            </a:r>
-          </a:p>
-        </p:txBody>
-      </p:sp>
-    </p:spTree>
-  </p:cSld>
-  <p:clrMapOvr>
-    <a:masterClrMapping/>
-  </p:clrMapOvr>
-</p:sld>
-</file>
-
-<file path=ppt/slides/slide16.xml><?xml version="1.0" encoding="utf-8"?>
-<p:sld xmlns:a="http://schemas.openxmlformats.org/drawingml/2006/main" xmlns:p="http://schemas.openxmlformats.org/presentationml/2006/main" xmlns:r="http://schemas.openxmlformats.org/officeDocument/2006/relationships">
-  <p:cSld>
-    <p:spTree>
-      <p:nvGrpSpPr>
-        <p:cNvPr id="1" name=""/>
-        <p:cNvGrpSpPr/>
-        <p:nvPr/>
-      </p:nvGrpSpPr>
-      <p:grpSpPr/>
-      <p:sp>
-        <p:nvSpPr>
-          <p:cNvPr id="2" name="Title 1"/>
-          <p:cNvSpPr>
-            <a:spLocks noGrp="1"/>
-          </p:cNvSpPr>
-          <p:nvPr>
-            <p:ph type="title"/>
-          </p:nvPr>
-        </p:nvSpPr>
-        <p:spPr/>
-        <p:txBody>
-          <a:bodyPr/>
-          <a:lstStyle/>
-          <a:p>
-            <a:r>
-              <a:t>SUSTAINABLE AGRICULTURE PRACTICES</a:t>
-            </a:r>
-          </a:p>
-        </p:txBody>
-      </p:sp>
-      <p:sp>
-        <p:nvSpPr>
-          <p:cNvPr id="3" name="Content Placeholder 2"/>
-          <p:cNvSpPr>
-            <a:spLocks noGrp="1"/>
-          </p:cNvSpPr>
-          <p:nvPr>
-            <p:ph idx="1"/>
-          </p:nvPr>
-        </p:nvSpPr>
-        <p:spPr/>
-        <p:txBody>
-          <a:bodyPr/>
-          <a:lstStyle/>
-          <a:p/>
-          <a:p>
-            <a:r>
-              <a:t>Sustainable agriculture is essential for ensuring long-term food security and environmental health in Nigeria. Practices that promote sustainability focus on conserving resources, reducing waste, and minimizing environmental impacts.</a:t>
-            </a:r>
-          </a:p>
-          <a:p>
-            <a:r>
-              <a:t>Organic farming is gaining popularity as a sustainable practice, emphasizing the use of natural inputs and avoiding synthetic chemicals. This approach not only benefits the environment but also meets the growing consumer demand for organic products.</a:t>
-            </a:r>
-          </a:p>
-          <a:p>
-            <a:r>
-              <a:t>Agroforestry, which integrates trees and shrubs into agricultural landscapes, is another sustainable practice. It enhances biodiversity, improves soil fertility, and provides additional income streams for farmers, contributing to a more resilient agricultural system.</a:t>
-            </a:r>
-          </a:p>
-        </p:txBody>
-      </p:sp>
-    </p:spTree>
-  </p:cSld>
-  <p:clrMapOvr>
-    <a:masterClrMapping/>
-  </p:clrMapOvr>
-</p:sld>
-</file>
-
-<file path=ppt/slides/slide17.xml><?xml version="1.0" encoding="utf-8"?>
-<p:sld xmlns:a="http://schemas.openxmlformats.org/drawingml/2006/main" xmlns:p="http://schemas.openxmlformats.org/presentationml/2006/main" xmlns:r="http://schemas.openxmlformats.org/officeDocument/2006/relationships">
-  <p:cSld>
-    <p:spTree>
-      <p:nvGrpSpPr>
-        <p:cNvPr id="1" name=""/>
-        <p:cNvGrpSpPr/>
-        <p:nvPr/>
-      </p:nvGrpSpPr>
-      <p:grpSpPr/>
-      <p:sp>
-        <p:nvSpPr>
-          <p:cNvPr id="2" name="Title 1"/>
-          <p:cNvSpPr>
-            <a:spLocks noGrp="1"/>
-          </p:cNvSpPr>
-          <p:nvPr>
-            <p:ph type="title"/>
-          </p:nvPr>
-        </p:nvSpPr>
-        <p:spPr/>
-        <p:txBody>
-          <a:bodyPr/>
-          <a:lstStyle/>
-          <a:p>
-            <a:r>
-              <a:t>THE FUTURE OF FARMING IN NIGERIA</a:t>
-            </a:r>
-          </a:p>
-        </p:txBody>
-      </p:sp>
-      <p:sp>
-        <p:nvSpPr>
-          <p:cNvPr id="3" name="Content Placeholder 2"/>
-          <p:cNvSpPr>
-            <a:spLocks noGrp="1"/>
-          </p:cNvSpPr>
-          <p:nvPr>
-            <p:ph idx="1"/>
-          </p:nvPr>
-        </p:nvSpPr>
-        <p:spPr/>
-        <p:txBody>
-          <a:bodyPr/>
-          <a:lstStyle/>
-          <a:p/>
-          <a:p>
-            <a:r>
-              <a:t>The future of farming in Nigeria holds significant promise, with opportunities for growth and transformation. By addressing current challenges and leveraging technological advancements, the agricultural sector can achieve sustainable development.</a:t>
-            </a:r>
-          </a:p>
-          <a:p>
-            <a:r>
-              <a:t>Government policies and initiatives will continue to play a crucial role in shaping the future of agriculture. By fostering an enabling environment, the government can attract investment and support innovation in the sector.</a:t>
-            </a:r>
-          </a:p>
-          <a:p>
-            <a:r>
-              <a:t>Collaboration among stakeholders, including farmers, researchers, and private sector actors, is essential for driving progress. By working together, these groups can develop solutions that enhance productivity, improve livelihoods, and ensure food security for future generations.</a:t>
-            </a:r>
-          </a:p>
-        </p:txBody>
-      </p:sp>
-    </p:spTree>
-  </p:cSld>
-  <p:clrMapOvr>
-    <a:masterClrMapping/>
-  </p:clrMapOvr>
-</p:sld>
-</file>
-
-<file path=ppt/slides/slide18.xml><?xml version="1.0" encoding="utf-8"?>
-<p:sld xmlns:a="http://schemas.openxmlformats.org/drawingml/2006/main" xmlns:p="http://schemas.openxmlformats.org/presentationml/2006/main" xmlns:r="http://schemas.openxmlformats.org/officeDocument/2006/relationships">
-  <p:cSld>
-    <p:spTree>
-      <p:nvGrpSpPr>
-        <p:cNvPr id="1" name=""/>
-        <p:cNvGrpSpPr/>
-        <p:nvPr/>
-      </p:nvGrpSpPr>
-      <p:grpSpPr/>
-      <p:sp>
-        <p:nvSpPr>
-          <p:cNvPr id="2" name="Title 1"/>
-          <p:cNvSpPr>
-            <a:spLocks noGrp="1"/>
-          </p:cNvSpPr>
-          <p:nvPr>
-            <p:ph type="title"/>
-          </p:nvPr>
-        </p:nvSpPr>
-        <p:spPr/>
-        <p:txBody>
-          <a:bodyPr/>
-          <a:lstStyle/>
-          <a:p>
-            <a:r>
-              <a:t>CASE STUDIES OF SUCCESSFUL FARMING PROJECTS</a:t>
-            </a:r>
-          </a:p>
-        </p:txBody>
-      </p:sp>
-      <p:sp>
-        <p:nvSpPr>
-          <p:cNvPr id="3" name="Content Placeholder 2"/>
-          <p:cNvSpPr>
-            <a:spLocks noGrp="1"/>
-          </p:cNvSpPr>
-          <p:nvPr>
-            <p:ph idx="1"/>
-          </p:nvPr>
-        </p:nvSpPr>
-        <p:spPr/>
-        <p:txBody>
-          <a:bodyPr/>
-          <a:lstStyle/>
-          <a:p/>
-          <a:p>
-            <a:r>
-              <a:t>Examining successful farming projects in Nigeria provides valuable insights into best practices and strategies for overcoming challenges. These case studies highlight innovative approaches that have led to increased productivity and profitability.</a:t>
-            </a:r>
-          </a:p>
-          <a:p>
-            <a:r>
-              <a:t>One notable example is the Olam Rice Farm in Nasarawa State, which has successfully implemented large-scale rice production using modern techniques. The project has created jobs, improved local food supply, and contributed to Nigeria's rice self-sufficiency goals.</a:t>
-            </a:r>
-          </a:p>
-          <a:p>
-            <a:r>
-              <a:t>Another success story is the Songhai Farm in Rivers State, which serves as a model for integrated farming. By combining crop production, livestock rearing, and agro-processing, the farm has achieved sustainability and economic viability, inspiring similar projects across the country.</a:t>
-            </a:r>
-          </a:p>
-        </p:txBody>
-      </p:sp>
-    </p:spTree>
-  </p:cSld>
-  <p:clrMapOvr>
-    <a:masterClrMapping/>
-  </p:clrMapOvr>
-</p:sld>
-</file>
-
-<file path=ppt/slides/slide19.xml><?xml version="1.0" encoding="utf-8"?>
-<p:sld xmlns:a="http://schemas.openxmlformats.org/drawingml/2006/main" xmlns:p="http://schemas.openxmlformats.org/presentationml/2006/main" xmlns:r="http://schemas.openxmlformats.org/officeDocument/2006/relationships">
-  <p:cSld>
-    <p:spTree>
-      <p:nvGrpSpPr>
-        <p:cNvPr id="1" name=""/>
-        <p:cNvGrpSpPr/>
-        <p:nvPr/>
-      </p:nvGrpSpPr>
-      <p:grpSpPr/>
-      <p:sp>
-        <p:nvSpPr>
-          <p:cNvPr id="2" name="Title 1"/>
-          <p:cNvSpPr>
-            <a:spLocks noGrp="1"/>
-          </p:cNvSpPr>
-          <p:nvPr>
-            <p:ph type="title"/>
-          </p:nvPr>
-        </p:nvSpPr>
-        <p:spPr/>
-        <p:txBody>
-          <a:bodyPr/>
-          <a:lstStyle/>
-          <a:p>
-            <a:r>
-              <a:t>CHALLENGES AND OPPORTUNITIES IN AGRICULTURE</a:t>
-            </a:r>
-          </a:p>
-        </p:txBody>
-      </p:sp>
-      <p:sp>
-        <p:nvSpPr>
-          <p:cNvPr id="3" name="Content Placeholder 2"/>
-          <p:cNvSpPr>
-            <a:spLocks noGrp="1"/>
-          </p:cNvSpPr>
-          <p:nvPr>
-            <p:ph idx="1"/>
-          </p:nvPr>
-        </p:nvSpPr>
-        <p:spPr/>
-        <p:txBody>
-          <a:bodyPr/>
-          <a:lstStyle/>
-          <a:p/>
-          <a:p>
-            <a:r>
-              <a:t>While Nigerian agriculture faces numerous challenges, there are also significant opportunities for growth and development. Addressing these challenges requires a comprehensive approach that involves all stakeholders in the sector.</a:t>
-            </a:r>
-          </a:p>
-          <a:p>
-            <a:r>
-              <a:t>Key challenges include limited access to finance, inadequate infrastructure, and the impacts of climate change. By implementing targeted interventions, the government and private sector can help mitigate these issues and support farmers in achieving their potential.</a:t>
-            </a:r>
-          </a:p>
-          <a:p>
-            <a:r>
-              <a:t>Opportunities for growth include the adoption of technology, expansion of agricultural exports, and increased investment in research and development. By capitalizing on these opportunities, Nigeria can strengthen its agricultural sector and enhance its contribution to the national economy.</a:t>
+              <a:t>Nigeria's market trends present significant opportunities for growth and investment across various sectors. Understanding these trends is essential for strategic decision-making.</a:t>
+            </a:r>
+          </a:p>
+          <a:p>
+            <a:r>
+              <a:t>Businesses and investors should focus on leveraging technological advancements, supporting infrastructure development, and fostering innovation to capitalize on Nigeria's potential.</a:t>
+            </a:r>
+          </a:p>
+          <a:p>
+            <a:r>
+              <a:t>Engaging with local partners and stakeholders is critical to navigating the complexities of the Nigerian market and achieving long-term success.</a:t>
             </a:r>
           </a:p>
         </p:txBody>
@@ -6576,7 +5927,7 @@
           <a:lstStyle/>
           <a:p>
             <a:r>
-              <a:t>HISTORICAL OVERVIEW OF NIGERIAN AGRICULTURE</a:t>
+              <a:t>TECHNOLOGICAL ADVANCEMENTS</a:t>
             </a:r>
           </a:p>
         </p:txBody>
@@ -6598,88 +5949,17 @@
           <a:p/>
           <a:p>
             <a:r>
-              <a:t>Agriculture in Nigeria has a rich history, dating back to pre-colonial times when traditional farming methods were predominant. The introduction of cash crops during the colonial era marked a significant shift in agricultural practices, focusing on export-oriented production.</a:t>
-            </a:r>
-          </a:p>
-          <a:p>
-            <a:r>
-              <a:t>Post-independence, the Nigerian government prioritized agriculture as a means to achieve economic self-sufficiency. Various programs were launched to increase agricultural output, although the sector faced challenges due to political instability and fluctuating policies.</a:t>
-            </a:r>
-          </a:p>
-          <a:p>
-            <a:r>
-              <a:t>In recent decades, there has been a renewed focus on revitalizing the agricultural sector. Efforts have been made to modernize farming practices, improve infrastructure, and enhance the value chain to increase competitiveness in both local and international markets.</a:t>
-            </a:r>
-          </a:p>
-        </p:txBody>
-      </p:sp>
-    </p:spTree>
-  </p:cSld>
-  <p:clrMapOvr>
-    <a:masterClrMapping/>
-  </p:clrMapOvr>
-</p:sld>
-</file>
-
-<file path=ppt/slides/slide20.xml><?xml version="1.0" encoding="utf-8"?>
-<p:sld xmlns:a="http://schemas.openxmlformats.org/drawingml/2006/main" xmlns:p="http://schemas.openxmlformats.org/presentationml/2006/main" xmlns:r="http://schemas.openxmlformats.org/officeDocument/2006/relationships">
-  <p:cSld>
-    <p:spTree>
-      <p:nvGrpSpPr>
-        <p:cNvPr id="1" name=""/>
-        <p:cNvGrpSpPr/>
-        <p:nvPr/>
-      </p:nvGrpSpPr>
-      <p:grpSpPr/>
-      <p:sp>
-        <p:nvSpPr>
-          <p:cNvPr id="2" name="Title 1"/>
-          <p:cNvSpPr>
-            <a:spLocks noGrp="1"/>
-          </p:cNvSpPr>
-          <p:nvPr>
-            <p:ph type="title"/>
-          </p:nvPr>
-        </p:nvSpPr>
-        <p:spPr/>
-        <p:txBody>
-          <a:bodyPr/>
-          <a:lstStyle/>
-          <a:p>
-            <a:r>
-              <a:t>CONCLUSION AND CALL TO ACTION</a:t>
-            </a:r>
-          </a:p>
-        </p:txBody>
-      </p:sp>
-      <p:sp>
-        <p:nvSpPr>
-          <p:cNvPr id="3" name="Content Placeholder 2"/>
-          <p:cNvSpPr>
-            <a:spLocks noGrp="1"/>
-          </p:cNvSpPr>
-          <p:nvPr>
-            <p:ph idx="1"/>
-          </p:nvPr>
-        </p:nvSpPr>
-        <p:spPr/>
-        <p:txBody>
-          <a:bodyPr/>
-          <a:lstStyle/>
-          <a:p/>
-          <a:p>
-            <a:r>
-              <a:t>Farming in Nigeria is a dynamic and vital sector with the potential to drive economic growth and improve livelihoods. By addressing the challenges and leveraging opportunities, the country can achieve a more sustainable and prosperous agricultural future.</a:t>
-            </a:r>
-          </a:p>
-          <a:p>
-            <a:r>
-              <a:t>Stakeholders across the sector must collaborate to implement effective policies, invest in infrastructure, and promote innovation. These efforts will ensure that Nigerian agriculture remains competitive and resilient in the face of global challenges.</a:t>
-            </a:r>
-          </a:p>
-          <a:p>
-            <a:r>
-              <a:t>We call upon government agencies, private sector actors, and development partners to prioritize agriculture as a key driver of national development. Together, we can build a robust agricultural sector that supports economic growth, food security, and sustainable development for all Nigerians.</a:t>
+              <a:t>Nigeria is witnessing a technological revolution, with increased internet penetration and mobile phone usage. This trend is fostering innovation and entrepreneurship across the country.</a:t>
+            </a:r>
+          </a:p>
+          <a:p>
+            <a:r>
+              <a:t>The rise of fintech companies is transforming the financial services landscape, providing greater access to banking and payment solutions for the unbanked population.</a:t>
+            </a:r>
+          </a:p>
+          <a:p>
+            <a:r>
+              <a:t>Tech hubs and incubators are emerging in major cities, supporting startups and driving job creation. This trend is positioning Nigeria as a leading tech hub in Africa.</a:t>
             </a:r>
           </a:p>
         </p:txBody>
@@ -6718,7 +5998,7 @@
           <a:lstStyle/>
           <a:p>
             <a:r>
-              <a:t>MAJOR CROPS CULTIVATED IN NIGERIA</a:t>
+              <a:t>AGRICULTURAL SECTOR TRANSFORMATION</a:t>
             </a:r>
           </a:p>
         </p:txBody>
@@ -6740,17 +6020,17 @@
           <a:p/>
           <a:p>
             <a:r>
-              <a:t>Nigeria's diverse climate and geography allow for the cultivation of a wide range of crops. Staple crops such as cassava, yams, and maize are widely grown across the country, serving as essential components of the Nigerian diet.</a:t>
-            </a:r>
-          </a:p>
-          <a:p>
-            <a:r>
-              <a:t>In addition to staples, Nigeria is a leading producer of cash crops like cocoa, palm oil, and rubber. These crops are significant contributors to the country's export earnings and play a crucial role in the global agricultural market.</a:t>
-            </a:r>
-          </a:p>
-          <a:p>
-            <a:r>
-              <a:t>The cultivation of rice has gained prominence in recent years, driven by government initiatives to achieve self-sufficiency in rice production. Efforts to improve rice farming techniques and infrastructure have led to increased yields and reduced dependency on imports.</a:t>
+              <a:t>Agriculture remains a cornerstone of Nigeria's economy, contributing significantly to GDP and employment. Recent trends indicate a shift towards modernization and increased productivity.</a:t>
+            </a:r>
+          </a:p>
+          <a:p>
+            <a:r>
+              <a:t>Government initiatives and private sector investments are enhancing agricultural value chains, improving food security, and boosting exports.</a:t>
+            </a:r>
+          </a:p>
+          <a:p>
+            <a:r>
+              <a:t>The adoption of technology in agriculture, such as precision farming and digital platforms, is enhancing efficiency and sustainability in the sector.</a:t>
             </a:r>
           </a:p>
         </p:txBody>
@@ -6789,7 +6069,7 @@
           <a:lstStyle/>
           <a:p>
             <a:r>
-              <a:t>LIVESTOCK FARMING IN NIGERIA</a:t>
+              <a:t>REAL ESTATE AND INFRASTRUCTURE DEVELOPMENT</a:t>
             </a:r>
           </a:p>
         </p:txBody>
@@ -6811,17 +6091,17 @@
           <a:p/>
           <a:p>
             <a:r>
-              <a:t>Livestock farming is an integral part of Nigeria's agricultural sector, providing meat, milk, and other animal products to the population. The sector includes cattle, poultry, goats, sheep, and pigs, each contributing to the nation's food security and economy.</a:t>
-            </a:r>
-          </a:p>
-          <a:p>
-            <a:r>
-              <a:t>Cattle farming is particularly significant in the northern regions of Nigeria, where pastoralism is a traditional way of life. The Fulani herdsmen are renowned for their cattle-rearing skills, although they face challenges such as grazing land disputes and climate change impacts.</a:t>
-            </a:r>
-          </a:p>
-          <a:p>
-            <a:r>
-              <a:t>Poultry farming has experienced rapid growth, driven by increasing demand for chicken and eggs. This sub-sector has attracted significant investment, with both small-scale and commercial operations expanding to meet the needs of the growing population.</a:t>
+              <a:t>Nigeria's real estate sector is experiencing robust growth, driven by urbanization and a rising demand for residential and commercial properties.</a:t>
+            </a:r>
+          </a:p>
+          <a:p>
+            <a:r>
+              <a:t>Infrastructure development, including roads, bridges, and public transportation, is crucial to supporting this growth and improving connectivity.</a:t>
+            </a:r>
+          </a:p>
+          <a:p>
+            <a:r>
+              <a:t>Government policies and public-private partnerships are playing a vital role in facilitating real estate and infrastructure projects across the country.</a:t>
             </a:r>
           </a:p>
         </p:txBody>
@@ -6860,7 +6140,7 @@
           <a:lstStyle/>
           <a:p>
             <a:r>
-              <a:t>CHALLENGES FACING NIGERIAN FARMERS</a:t>
+              <a:t>ENERGY SECTOR EVOLUTION</a:t>
             </a:r>
           </a:p>
         </p:txBody>
@@ -6882,17 +6162,17 @@
           <a:p/>
           <a:p>
             <a:r>
-              <a:t>Nigerian farmers encounter numerous challenges that hinder their productivity and profitability. One of the primary issues is limited access to modern farming equipment and technology, which affects their ability to compete in the global market.</a:t>
-            </a:r>
-          </a:p>
-          <a:p>
-            <a:r>
-              <a:t>Financial constraints are another significant barrier, as many farmers lack access to credit facilities. This limitation restricts their capacity to invest in quality inputs, such as seeds and fertilizers, which are essential for improving yields.</a:t>
-            </a:r>
-          </a:p>
-          <a:p>
-            <a:r>
-              <a:t>Climate change poses a growing threat to agriculture in Nigeria, with unpredictable weather patterns affecting crop and livestock production. Farmers must adapt to these changes by adopting resilient farming practices to ensure sustainable agricultural development.</a:t>
+              <a:t>The energy sector in Nigeria is undergoing significant changes, with a focus on diversifying energy sources and improving power supply.</a:t>
+            </a:r>
+          </a:p>
+          <a:p>
+            <a:r>
+              <a:t>Renewable energy projects, particularly solar and wind, are gaining traction as the country seeks to reduce its reliance on fossil fuels.</a:t>
+            </a:r>
+          </a:p>
+          <a:p>
+            <a:r>
+              <a:t>Investment in energy infrastructure and regulatory reforms are critical to addressing the power challenges and supporting economic growth.</a:t>
             </a:r>
           </a:p>
         </p:txBody>
@@ -6931,7 +6211,7 @@
           <a:lstStyle/>
           <a:p>
             <a:r>
-              <a:t>GOVERNMENT POLICIES AND INITIATIVES</a:t>
+              <a:t>RETAIL INDUSTRY EXPANSION</a:t>
             </a:r>
           </a:p>
         </p:txBody>
@@ -6953,17 +6233,17 @@
           <a:p/>
           <a:p>
             <a:r>
-              <a:t>The Nigerian government has implemented various policies to support the agricultural sector. These initiatives aim to enhance productivity, improve food security, and promote sustainable farming practices across the country.</a:t>
-            </a:r>
-          </a:p>
-          <a:p>
-            <a:r>
-              <a:t>The Agricultural Transformation Agenda (ATA) is one such policy, focusing on increasing agricultural output and reducing food imports. The program emphasizes the development of value chains and the empowerment of smallholder farmers.</a:t>
-            </a:r>
-          </a:p>
-          <a:p>
-            <a:r>
-              <a:t>Other initiatives include the Anchor Borrowers' Programme, which provides financial support to farmers, and the Green Alternative, a roadmap for agricultural development. These efforts are designed to create a more robust and resilient agricultural sector.</a:t>
+              <a:t>Nigeria's retail industry is expanding rapidly, driven by a growing middle class and increased consumer spending.</a:t>
+            </a:r>
+          </a:p>
+          <a:p>
+            <a:r>
+              <a:t>E-commerce platforms are gaining popularity, offering convenience and a wider range of products to consumers across the country.</a:t>
+            </a:r>
+          </a:p>
+          <a:p>
+            <a:r>
+              <a:t>International retail brands are entering the Nigerian market, attracted by the potential for growth and the increasing demand for quality goods.</a:t>
             </a:r>
           </a:p>
         </p:txBody>
@@ -7002,7 +6282,7 @@
           <a:lstStyle/>
           <a:p>
             <a:r>
-              <a:t>ROLE OF TECHNOLOGY IN NIGERIAN FARMING</a:t>
+              <a:t>FINANCIAL SERVICES INNOVATION</a:t>
             </a:r>
           </a:p>
         </p:txBody>
@@ -7024,17 +6304,17 @@
           <a:p/>
           <a:p>
             <a:r>
-              <a:t>Technology plays a crucial role in transforming agriculture in Nigeria, offering solutions to many of the challenges faced by farmers. The adoption of modern farming techniques and equipment can significantly enhance productivity and efficiency.</a:t>
-            </a:r>
-          </a:p>
-          <a:p>
-            <a:r>
-              <a:t>Information and communication technology (ICT) is increasingly being used to provide farmers with access to critical information, such as weather forecasts and market prices. Mobile applications and online platforms are empowering farmers with the knowledge needed to make informed decisions.</a:t>
-            </a:r>
-          </a:p>
-          <a:p>
-            <a:r>
-              <a:t>Mechanization is another area where technology is making an impact. The use of tractors, harvesters, and other machinery is helping to reduce labor costs and increase the speed of farming operations, ultimately boosting output and profitability.</a:t>
+              <a:t>The financial services sector in Nigeria is undergoing a transformation, with fintech companies leading the charge in innovation.</a:t>
+            </a:r>
+          </a:p>
+          <a:p>
+            <a:r>
+              <a:t>Digital banking and mobile payment solutions are expanding financial inclusion, providing access to financial services for underserved populations.</a:t>
+            </a:r>
+          </a:p>
+          <a:p>
+            <a:r>
+              <a:t>Regulatory support and partnerships between traditional banks and fintech firms are fostering a more competitive and dynamic financial ecosystem.</a:t>
             </a:r>
           </a:p>
         </p:txBody>
@@ -7073,7 +6353,7 @@
           <a:lstStyle/>
           <a:p>
             <a:r>
-              <a:t>IMPACT OF CLIMATE CHANGE ON AGRICULTURE</a:t>
+              <a:t>HEALTHCARE SECTOR DEVELOPMENTS</a:t>
             </a:r>
           </a:p>
         </p:txBody>
@@ -7095,17 +6375,17 @@
           <a:p/>
           <a:p>
             <a:r>
-              <a:t>Climate change is a significant concern for Nigerian agriculture, as it affects both crop and livestock production. Changes in temperature and rainfall patterns can lead to reduced yields and increased vulnerability to pests and diseases.</a:t>
-            </a:r>
-          </a:p>
-          <a:p>
-            <a:r>
-              <a:t>Farmers are increasingly experiencing extreme weather events, such as droughts and floods, which can devastate crops and livestock. These events highlight the need for adaptive strategies to mitigate the impacts of climate change on agriculture.</a:t>
-            </a:r>
-          </a:p>
-          <a:p>
-            <a:r>
-              <a:t>Efforts to address climate change include the promotion of climate-smart agriculture, which focuses on sustainable practices that increase resilience. These practices include crop diversification, improved water management, and the use of drought-resistant crop varieties.</a:t>
+              <a:t>Nigeria's healthcare sector is evolving, with increased investment in infrastructure and services to improve health outcomes.</a:t>
+            </a:r>
+          </a:p>
+          <a:p>
+            <a:r>
+              <a:t>Telemedicine and digital health solutions are emerging as key trends, enhancing access to healthcare in remote and underserved areas.</a:t>
+            </a:r>
+          </a:p>
+          <a:p>
+            <a:r>
+              <a:t>Public and private sector collaboration is essential to address challenges such as inadequate funding and workforce shortages in the healthcare sector.</a:t>
             </a:r>
           </a:p>
         </p:txBody>
@@ -7144,7 +6424,7 @@
           <a:lstStyle/>
           <a:p>
             <a:r>
-              <a:t>WOMEN IN NIGERIAN AGRICULTURE</a:t>
+              <a:t>EDUCATION SECTOR INNOVATIONS</a:t>
             </a:r>
           </a:p>
         </p:txBody>
@@ -7166,17 +6446,17 @@
           <a:p/>
           <a:p>
             <a:r>
-              <a:t>Women play a vital role in Nigerian agriculture, contributing significantly to food production and rural development. Despite their contributions, they often face gender-specific challenges that limit their access to resources and opportunities.</a:t>
-            </a:r>
-          </a:p>
-          <a:p>
-            <a:r>
-              <a:t>Empowering women in agriculture is essential for enhancing productivity and achieving food security. Initiatives aimed at providing women with access to land, credit, and training can help bridge the gender gap in the sector.</a:t>
-            </a:r>
-          </a:p>
-          <a:p>
-            <a:r>
-              <a:t>Organizations and government programs are increasingly recognizing the importance of supporting women farmers. By addressing the unique challenges they face, these efforts aim to create a more inclusive and equitable agricultural sector.</a:t>
+              <a:t>The education sector in Nigeria is embracing innovation to address challenges such as access and quality of education.</a:t>
+            </a:r>
+          </a:p>
+          <a:p>
+            <a:r>
+              <a:t>E-learning platforms and digital resources are becoming more prevalent, providing flexible learning opportunities for students.</a:t>
+            </a:r>
+          </a:p>
+          <a:p>
+            <a:r>
+              <a:t>Government initiatives and private sector investments are crucial in improving educational infrastructure and outcomes across the country.</a:t>
             </a:r>
           </a:p>
         </p:txBody>

--- a/output.pptx
+++ b/output.pptx
@@ -5785,7 +5785,7 @@
           <a:lstStyle/>
           <a:p>
             <a:r>
-              <a:t>INTRODUCTION TO NIGERIA'S MARKET TRENDS</a:t>
+              <a:t>INTRODUCTION TO EARTHWORM BENEFITS</a:t>
             </a:r>
           </a:p>
         </p:txBody>
@@ -5807,17 +5807,17 @@
           <a:p/>
           <a:p>
             <a:r>
-              <a:t>Nigeria, Africa's largest economy, is experiencing dynamic market trends that are reshaping its economic landscape. With a population exceeding 200 million, the country presents vast opportunities for growth and investment.</a:t>
-            </a:r>
-          </a:p>
-          <a:p>
-            <a:r>
-              <a:t>The Nigerian market is characterized by a youthful demographic, rapid urbanization, and a growing middle class. These factors are driving significant changes across various sectors, including technology, agriculture, and real estate.</a:t>
-            </a:r>
-          </a:p>
-          <a:p>
-            <a:r>
-              <a:t>Understanding these trends is crucial for businesses and investors looking to capitalize on Nigeria's potential. This presentation will delve into key market trends and their implications for future growth.</a:t>
+              <a:t>Earthworms, often referred to as 'nature's plow,' play a crucial role in enhancing soil health and fertility. Their presence in the soil ecosystem is a testament to the vitality and productivity of the land.</a:t>
+            </a:r>
+          </a:p>
+          <a:p>
+            <a:r>
+              <a:t>These remarkable creatures contribute significantly to the aeration and drainage of soil, which is essential for plant growth. By burrowing through the earth, they create channels that allow air and water to penetrate deeper into the soil layers.</a:t>
+            </a:r>
+          </a:p>
+          <a:p>
+            <a:r>
+              <a:t>In this presentation, we will explore the multifaceted benefits of earthworms, including their impact on soil structure, nutrient cycling, and overall ecosystem health.</a:t>
             </a:r>
           </a:p>
         </p:txBody>
@@ -5856,7 +5856,7 @@
           <a:lstStyle/>
           <a:p>
             <a:r>
-              <a:t>CONCLUSION AND STRATEGIC TAKEAWAYS</a:t>
+              <a:t>CONCLUSION AND CALL TO ACTION</a:t>
             </a:r>
           </a:p>
         </p:txBody>
@@ -5878,17 +5878,17 @@
           <a:p/>
           <a:p>
             <a:r>
-              <a:t>Nigeria's market trends present significant opportunities for growth and investment across various sectors. Understanding these trends is essential for strategic decision-making.</a:t>
-            </a:r>
-          </a:p>
-          <a:p>
-            <a:r>
-              <a:t>Businesses and investors should focus on leveraging technological advancements, supporting infrastructure development, and fostering innovation to capitalize on Nigeria's potential.</a:t>
-            </a:r>
-          </a:p>
-          <a:p>
-            <a:r>
-              <a:t>Engaging with local partners and stakeholders is critical to navigating the complexities of the Nigerian market and achieving long-term success.</a:t>
+              <a:t>Earthworms are indispensable allies in maintaining soil health and promoting sustainable ecosystems. Their contributions to soil structure, nutrient cycling, and biodiversity are invaluable.</a:t>
+            </a:r>
+          </a:p>
+          <a:p>
+            <a:r>
+              <a:t>As stewards of the environment, it is imperative to protect and encourage earthworm populations through sustainable land management practices.</a:t>
+            </a:r>
+          </a:p>
+          <a:p>
+            <a:r>
+              <a:t>Let us commit to fostering environments where earthworms can thrive, ensuring the continued health and productivity of our soils for future generations.</a:t>
             </a:r>
           </a:p>
         </p:txBody>
@@ -5927,7 +5927,7 @@
           <a:lstStyle/>
           <a:p>
             <a:r>
-              <a:t>TECHNOLOGICAL ADVANCEMENTS</a:t>
+              <a:t>ENHANCING SOIL STRUCTURE</a:t>
             </a:r>
           </a:p>
         </p:txBody>
@@ -5949,17 +5949,17 @@
           <a:p/>
           <a:p>
             <a:r>
-              <a:t>Nigeria is witnessing a technological revolution, with increased internet penetration and mobile phone usage. This trend is fostering innovation and entrepreneurship across the country.</a:t>
-            </a:r>
-          </a:p>
-          <a:p>
-            <a:r>
-              <a:t>The rise of fintech companies is transforming the financial services landscape, providing greater access to banking and payment solutions for the unbanked population.</a:t>
-            </a:r>
-          </a:p>
-          <a:p>
-            <a:r>
-              <a:t>Tech hubs and incubators are emerging in major cities, supporting startups and driving job creation. This trend is positioning Nigeria as a leading tech hub in Africa.</a:t>
+              <a:t>Earthworms are instrumental in improving soil structure. Their burrowing activity creates a network of tunnels that enhance soil porosity and permeability.</a:t>
+            </a:r>
+          </a:p>
+          <a:p>
+            <a:r>
+              <a:t>This increased porosity allows for better root penetration, enabling plants to access nutrients and water more efficiently. Consequently, this leads to healthier plant growth and higher agricultural yields.</a:t>
+            </a:r>
+          </a:p>
+          <a:p>
+            <a:r>
+              <a:t>Moreover, the improved soil structure reduces the risk of soil erosion, as the channels created by earthworms help to stabilize the soil and prevent surface runoff.</a:t>
             </a:r>
           </a:p>
         </p:txBody>
@@ -5998,7 +5998,7 @@
           <a:lstStyle/>
           <a:p>
             <a:r>
-              <a:t>AGRICULTURAL SECTOR TRANSFORMATION</a:t>
+              <a:t>PROMOTING NUTRIENT CYCLING</a:t>
             </a:r>
           </a:p>
         </p:txBody>
@@ -6020,17 +6020,17 @@
           <a:p/>
           <a:p>
             <a:r>
-              <a:t>Agriculture remains a cornerstone of Nigeria's economy, contributing significantly to GDP and employment. Recent trends indicate a shift towards modernization and increased productivity.</a:t>
-            </a:r>
-          </a:p>
-          <a:p>
-            <a:r>
-              <a:t>Government initiatives and private sector investments are enhancing agricultural value chains, improving food security, and boosting exports.</a:t>
-            </a:r>
-          </a:p>
-          <a:p>
-            <a:r>
-              <a:t>The adoption of technology in agriculture, such as precision farming and digital platforms, is enhancing efficiency and sustainability in the sector.</a:t>
+              <a:t>Earthworms play a vital role in nutrient cycling by breaking down organic matter and converting it into forms that plants can readily absorb.</a:t>
+            </a:r>
+          </a:p>
+          <a:p>
+            <a:r>
+              <a:t>As earthworms consume soil and organic material, they excrete nutrient-rich castings that are rich in nitrogen, phosphorus, and potassium—key nutrients for plant growth.</a:t>
+            </a:r>
+          </a:p>
+          <a:p>
+            <a:r>
+              <a:t>This process not only enriches the soil but also enhances its fertility, reducing the need for chemical fertilizers and promoting sustainable agricultural practices.</a:t>
             </a:r>
           </a:p>
         </p:txBody>
@@ -6069,7 +6069,7 @@
           <a:lstStyle/>
           <a:p>
             <a:r>
-              <a:t>REAL ESTATE AND INFRASTRUCTURE DEVELOPMENT</a:t>
+              <a:t>IMPROVING WATER INFILTRATION</a:t>
             </a:r>
           </a:p>
         </p:txBody>
@@ -6091,17 +6091,17 @@
           <a:p/>
           <a:p>
             <a:r>
-              <a:t>Nigeria's real estate sector is experiencing robust growth, driven by urbanization and a rising demand for residential and commercial properties.</a:t>
-            </a:r>
-          </a:p>
-          <a:p>
-            <a:r>
-              <a:t>Infrastructure development, including roads, bridges, and public transportation, is crucial to supporting this growth and improving connectivity.</a:t>
-            </a:r>
-          </a:p>
-          <a:p>
-            <a:r>
-              <a:t>Government policies and public-private partnerships are playing a vital role in facilitating real estate and infrastructure projects across the country.</a:t>
+              <a:t>The burrowing activity of earthworms significantly improves water infiltration in the soil. Their tunnels act as conduits for water movement, reducing surface runoff and increasing water retention.</a:t>
+            </a:r>
+          </a:p>
+          <a:p>
+            <a:r>
+              <a:t>This enhanced infiltration capacity is particularly beneficial in areas prone to heavy rainfall, as it helps to mitigate flooding and waterlogging.</a:t>
+            </a:r>
+          </a:p>
+          <a:p>
+            <a:r>
+              <a:t>By facilitating better water distribution throughout the soil profile, earthworms contribute to more efficient water use by plants, promoting drought resilience.</a:t>
             </a:r>
           </a:p>
         </p:txBody>
@@ -6140,7 +6140,7 @@
           <a:lstStyle/>
           <a:p>
             <a:r>
-              <a:t>ENERGY SECTOR EVOLUTION</a:t>
+              <a:t>BOOSTING MICROBIAL ACTIVITY</a:t>
             </a:r>
           </a:p>
         </p:txBody>
@@ -6162,17 +6162,17 @@
           <a:p/>
           <a:p>
             <a:r>
-              <a:t>The energy sector in Nigeria is undergoing significant changes, with a focus on diversifying energy sources and improving power supply.</a:t>
-            </a:r>
-          </a:p>
-          <a:p>
-            <a:r>
-              <a:t>Renewable energy projects, particularly solar and wind, are gaining traction as the country seeks to reduce its reliance on fossil fuels.</a:t>
-            </a:r>
-          </a:p>
-          <a:p>
-            <a:r>
-              <a:t>Investment in energy infrastructure and regulatory reforms are critical to addressing the power challenges and supporting economic growth.</a:t>
+              <a:t>Earthworms are known to boost microbial activity in the soil, which is essential for maintaining a healthy and balanced ecosystem.</a:t>
+            </a:r>
+          </a:p>
+          <a:p>
+            <a:r>
+              <a:t>Their digestive processes stimulate the growth of beneficial microorganisms, which in turn aid in the decomposition of organic matter and the release of nutrients.</a:t>
+            </a:r>
+          </a:p>
+          <a:p>
+            <a:r>
+              <a:t>This symbiotic relationship between earthworms and soil microbes enhances soil fertility and supports the growth of diverse plant species.</a:t>
             </a:r>
           </a:p>
         </p:txBody>
@@ -6211,7 +6211,7 @@
           <a:lstStyle/>
           <a:p>
             <a:r>
-              <a:t>RETAIL INDUSTRY EXPANSION</a:t>
+              <a:t>SUPPORTING BIODIVERSITY</a:t>
             </a:r>
           </a:p>
         </p:txBody>
@@ -6233,17 +6233,17 @@
           <a:p/>
           <a:p>
             <a:r>
-              <a:t>Nigeria's retail industry is expanding rapidly, driven by a growing middle class and increased consumer spending.</a:t>
-            </a:r>
-          </a:p>
-          <a:p>
-            <a:r>
-              <a:t>E-commerce platforms are gaining popularity, offering convenience and a wider range of products to consumers across the country.</a:t>
-            </a:r>
-          </a:p>
-          <a:p>
-            <a:r>
-              <a:t>International retail brands are entering the Nigerian market, attracted by the potential for growth and the increasing demand for quality goods.</a:t>
+              <a:t>The presence of earthworms in the soil is a key indicator of biodiversity. They create a habitat that supports a wide range of organisms, from microorganisms to larger soil fauna.</a:t>
+            </a:r>
+          </a:p>
+          <a:p>
+            <a:r>
+              <a:t>By improving soil structure and fertility, earthworms provide a conducive environment for various plant species, which in turn support diverse animal populations.</a:t>
+            </a:r>
+          </a:p>
+          <a:p>
+            <a:r>
+              <a:t>This biodiversity is crucial for ecosystem resilience, as it enhances the ability of the environment to withstand and recover from disturbances.</a:t>
             </a:r>
           </a:p>
         </p:txBody>
@@ -6282,7 +6282,7 @@
           <a:lstStyle/>
           <a:p>
             <a:r>
-              <a:t>FINANCIAL SERVICES INNOVATION</a:t>
+              <a:t>REDUCING SOIL COMPACTION</a:t>
             </a:r>
           </a:p>
         </p:txBody>
@@ -6304,17 +6304,17 @@
           <a:p/>
           <a:p>
             <a:r>
-              <a:t>The financial services sector in Nigeria is undergoing a transformation, with fintech companies leading the charge in innovation.</a:t>
-            </a:r>
-          </a:p>
-          <a:p>
-            <a:r>
-              <a:t>Digital banking and mobile payment solutions are expanding financial inclusion, providing access to financial services for underserved populations.</a:t>
-            </a:r>
-          </a:p>
-          <a:p>
-            <a:r>
-              <a:t>Regulatory support and partnerships between traditional banks and fintech firms are fostering a more competitive and dynamic financial ecosystem.</a:t>
+              <a:t>Soil compaction is a significant issue in agricultural and urban areas, leading to reduced plant growth and increased erosion. Earthworms help alleviate this problem through their natural burrowing activities.</a:t>
+            </a:r>
+          </a:p>
+          <a:p>
+            <a:r>
+              <a:t>Their movement through the soil breaks up compacted layers, increasing aeration and allowing roots to penetrate more easily.</a:t>
+            </a:r>
+          </a:p>
+          <a:p>
+            <a:r>
+              <a:t>This reduction in compaction not only benefits plant health but also improves the overall soil ecosystem, making it more productive and sustainable.</a:t>
             </a:r>
           </a:p>
         </p:txBody>
@@ -6353,7 +6353,7 @@
           <a:lstStyle/>
           <a:p>
             <a:r>
-              <a:t>HEALTHCARE SECTOR DEVELOPMENTS</a:t>
+              <a:t>ENHANCING CARBON SEQUESTRATION</a:t>
             </a:r>
           </a:p>
         </p:txBody>
@@ -6375,17 +6375,17 @@
           <a:p/>
           <a:p>
             <a:r>
-              <a:t>Nigeria's healthcare sector is evolving, with increased investment in infrastructure and services to improve health outcomes.</a:t>
-            </a:r>
-          </a:p>
-          <a:p>
-            <a:r>
-              <a:t>Telemedicine and digital health solutions are emerging as key trends, enhancing access to healthcare in remote and underserved areas.</a:t>
-            </a:r>
-          </a:p>
-          <a:p>
-            <a:r>
-              <a:t>Public and private sector collaboration is essential to address challenges such as inadequate funding and workforce shortages in the healthcare sector.</a:t>
+              <a:t>Earthworms contribute to carbon sequestration by incorporating organic matter into the soil, thus storing carbon that would otherwise be released into the atmosphere.</a:t>
+            </a:r>
+          </a:p>
+          <a:p>
+            <a:r>
+              <a:t>Their activity helps to stabilize organic carbon in the soil, which is crucial for mitigating climate change and reducing greenhouse gas emissions.</a:t>
+            </a:r>
+          </a:p>
+          <a:p>
+            <a:r>
+              <a:t>By promoting the formation of stable soil aggregates, earthworms enhance the soil's capacity to store carbon over the long term.</a:t>
             </a:r>
           </a:p>
         </p:txBody>
@@ -6424,7 +6424,7 @@
           <a:lstStyle/>
           <a:p>
             <a:r>
-              <a:t>EDUCATION SECTOR INNOVATIONS</a:t>
+              <a:t>SUPPORTING SUSTAINABLE AGRICULTURE</a:t>
             </a:r>
           </a:p>
         </p:txBody>
@@ -6446,17 +6446,17 @@
           <a:p/>
           <a:p>
             <a:r>
-              <a:t>The education sector in Nigeria is embracing innovation to address challenges such as access and quality of education.</a:t>
-            </a:r>
-          </a:p>
-          <a:p>
-            <a:r>
-              <a:t>E-learning platforms and digital resources are becoming more prevalent, providing flexible learning opportunities for students.</a:t>
-            </a:r>
-          </a:p>
-          <a:p>
-            <a:r>
-              <a:t>Government initiatives and private sector investments are crucial in improving educational infrastructure and outcomes across the country.</a:t>
+              <a:t>The benefits of earthworms extend to sustainable agriculture, where their natural processes reduce the need for chemical inputs and enhance soil health.</a:t>
+            </a:r>
+          </a:p>
+          <a:p>
+            <a:r>
+              <a:t>By improving soil fertility and structure, earthworms enable farmers to achieve higher yields with fewer resources, promoting environmentally friendly farming practices.</a:t>
+            </a:r>
+          </a:p>
+          <a:p>
+            <a:r>
+              <a:t>Their role in nutrient cycling and water management supports the development of resilient agricultural systems that can adapt to changing environmental conditions.</a:t>
             </a:r>
           </a:p>
         </p:txBody>
